--- a/documents/Overview of BioLUC Inman may 7.pptx
+++ b/documents/Overview of BioLUC Inman may 7.pptx
@@ -5,7 +5,7 @@
     <p:sldMasterId id="2147483648" r:id="rId1"/>
   </p:sldMasterIdLst>
   <p:notesMasterIdLst>
-    <p:notesMasterId r:id="rId16"/>
+    <p:notesMasterId r:id="rId15"/>
   </p:notesMasterIdLst>
   <p:sldIdLst>
     <p:sldId id="261" r:id="rId2"/>
@@ -16,12 +16,11 @@
     <p:sldId id="303" r:id="rId7"/>
     <p:sldId id="304" r:id="rId8"/>
     <p:sldId id="305" r:id="rId9"/>
-    <p:sldId id="306" r:id="rId10"/>
-    <p:sldId id="309" r:id="rId11"/>
-    <p:sldId id="310" r:id="rId12"/>
-    <p:sldId id="308" r:id="rId13"/>
-    <p:sldId id="282" r:id="rId14"/>
-    <p:sldId id="284" r:id="rId15"/>
+    <p:sldId id="309" r:id="rId10"/>
+    <p:sldId id="310" r:id="rId11"/>
+    <p:sldId id="308" r:id="rId12"/>
+    <p:sldId id="282" r:id="rId13"/>
+    <p:sldId id="284" r:id="rId14"/>
   </p:sldIdLst>
   <p:sldSz cx="9144000" cy="6858000" type="screen4x3"/>
   <p:notesSz cx="6858000" cy="9144000"/>
@@ -206,7 +205,7 @@
             <a:fld id="{62430CC7-8C13-4D51-BC46-B95A4AC4A04B}" type="datetimeFigureOut">
               <a:rPr lang="en-US" smtClean="0"/>
               <a:pPr/>
-              <a:t>5/6/2013</a:t>
+              <a:t>5/6/13</a:t>
             </a:fld>
             <a:endParaRPr lang="en-US"/>
           </a:p>
@@ -377,7 +376,7 @@
     </p:spTree>
     <p:extLst>
       <p:ext uri="{BB962C8B-B14F-4D97-AF65-F5344CB8AC3E}">
-        <p14:creationId xmlns="" xmlns:p14="http://schemas.microsoft.com/office/powerpoint/2010/main" val="1155542688"/>
+        <p14:creationId xmlns:p14="http://schemas.microsoft.com/office/powerpoint/2010/main" val="1155542688"/>
       </p:ext>
     </p:extLst>
   </p:cSld>
@@ -1131,6 +1130,44 @@
           </a:bodyPr>
           <a:lstStyle/>
           <a:p>
+            <a:r>
+              <a:rPr lang="en-US" dirty="0" smtClean="0"/>
+              <a:t>Overall; the base case</a:t>
+            </a:r>
+            <a:r>
+              <a:rPr lang="en-US" baseline="0" dirty="0" smtClean="0"/>
+              <a:t> LUC changes are a result of continued trends in population and diet. In general, we see expansion of land dedicated to pasture- this is in response to increasing demands for meat based on dietary shifts.</a:t>
+            </a:r>
+          </a:p>
+          <a:p>
+            <a:endParaRPr lang="en-US" baseline="0" dirty="0" smtClean="0"/>
+          </a:p>
+          <a:p>
+            <a:r>
+              <a:rPr lang="en-US" baseline="0" dirty="0" smtClean="0"/>
+              <a:t>In the high food and biofuel demand, we see a shift in cropland for the US and EU- cropland is being expanded to meet biofuel demands in those regions. Also, we see a marked shift to cropland expansion in Asia. </a:t>
+            </a:r>
+          </a:p>
+          <a:p>
+            <a:endParaRPr lang="en-US" baseline="0" dirty="0" smtClean="0"/>
+          </a:p>
+          <a:p>
+            <a:r>
+              <a:rPr lang="en-US" baseline="0" dirty="0" smtClean="0"/>
+              <a:t>The low yield scenario appears very similar to the high biofuel/food scenario. Overall more land has to be converted to crops to meet the </a:t>
+            </a:r>
+            <a:r>
+              <a:rPr lang="en-US" baseline="0" dirty="0" err="1" smtClean="0"/>
+              <a:t>increaseind</a:t>
+            </a:r>
+            <a:r>
+              <a:rPr lang="en-US" baseline="0" dirty="0" smtClean="0"/>
+              <a:t> demand </a:t>
+            </a:r>
+            <a:r>
+              <a:rPr lang="en-US" baseline="0" smtClean="0"/>
+              <a:t>for food.</a:t>
+            </a:r>
             <a:endParaRPr lang="en-US"/>
           </a:p>
         </p:txBody>
@@ -1150,10 +1187,10 @@
           <a:bodyPr/>
           <a:lstStyle/>
           <a:p>
-            <a:fld id="{FBFC0834-AAF5-415B-8B91-4ECEBE5D9C02}" type="slidenum">
+            <a:fld id="{7CD645B7-0B3A-4239-8069-075A43B72B67}" type="slidenum">
               <a:rPr lang="en-US" smtClean="0"/>
               <a:pPr/>
-              <a:t>9</a:t>
+              <a:t>11</a:t>
             </a:fld>
             <a:endParaRPr lang="en-US"/>
           </a:p>
@@ -1168,126 +1205,6 @@
 </file>
 
 <file path=ppt/notesSlides/notesSlide7.xml><?xml version="1.0" encoding="utf-8"?>
-<p:notes xmlns:a="http://schemas.openxmlformats.org/drawingml/2006/main" xmlns:r="http://schemas.openxmlformats.org/officeDocument/2006/relationships" xmlns:p="http://schemas.openxmlformats.org/presentationml/2006/main">
-  <p:cSld>
-    <p:spTree>
-      <p:nvGrpSpPr>
-        <p:cNvPr id="1" name=""/>
-        <p:cNvGrpSpPr/>
-        <p:nvPr/>
-      </p:nvGrpSpPr>
-      <p:grpSpPr>
-        <a:xfrm>
-          <a:off x="0" y="0"/>
-          <a:ext cx="0" cy="0"/>
-          <a:chOff x="0" y="0"/>
-          <a:chExt cx="0" cy="0"/>
-        </a:xfrm>
-      </p:grpSpPr>
-      <p:sp>
-        <p:nvSpPr>
-          <p:cNvPr id="2" name="Slide Image Placeholder 1"/>
-          <p:cNvSpPr>
-            <a:spLocks noGrp="1" noRot="1" noChangeAspect="1"/>
-          </p:cNvSpPr>
-          <p:nvPr>
-            <p:ph type="sldImg"/>
-          </p:nvPr>
-        </p:nvSpPr>
-        <p:spPr/>
-      </p:sp>
-      <p:sp>
-        <p:nvSpPr>
-          <p:cNvPr id="3" name="Notes Placeholder 2"/>
-          <p:cNvSpPr>
-            <a:spLocks noGrp="1"/>
-          </p:cNvSpPr>
-          <p:nvPr>
-            <p:ph type="body" idx="1"/>
-          </p:nvPr>
-        </p:nvSpPr>
-        <p:spPr/>
-        <p:txBody>
-          <a:bodyPr>
-            <a:normAutofit/>
-          </a:bodyPr>
-          <a:lstStyle/>
-          <a:p>
-            <a:r>
-              <a:rPr lang="en-US" dirty="0" smtClean="0"/>
-              <a:t>Overall; the base case</a:t>
-            </a:r>
-            <a:r>
-              <a:rPr lang="en-US" baseline="0" dirty="0" smtClean="0"/>
-              <a:t> LUC changes are a result of continued trends in population and diet. In general, we see expansion of land dedicated to pasture- this is in response to increasing demands for meat based on dietary shifts.</a:t>
-            </a:r>
-          </a:p>
-          <a:p>
-            <a:endParaRPr lang="en-US" baseline="0" dirty="0" smtClean="0"/>
-          </a:p>
-          <a:p>
-            <a:r>
-              <a:rPr lang="en-US" baseline="0" dirty="0" smtClean="0"/>
-              <a:t>In the high food and biofuel demand, we see a shift in cropland for the US and EU- cropland is being expanded to meet biofuel demands in those regions. Also, we see a marked shift to cropland expansion in Asia. </a:t>
-            </a:r>
-          </a:p>
-          <a:p>
-            <a:endParaRPr lang="en-US" baseline="0" dirty="0" smtClean="0"/>
-          </a:p>
-          <a:p>
-            <a:r>
-              <a:rPr lang="en-US" baseline="0" dirty="0" smtClean="0"/>
-              <a:t>The low yield scenario appears very similar to the high biofuel/food scenario. Overall more land has to be converted to crops to meet the </a:t>
-            </a:r>
-            <a:r>
-              <a:rPr lang="en-US" baseline="0" dirty="0" err="1" smtClean="0"/>
-              <a:t>increaseind</a:t>
-            </a:r>
-            <a:r>
-              <a:rPr lang="en-US" baseline="0" dirty="0" smtClean="0"/>
-              <a:t> demand </a:t>
-            </a:r>
-            <a:r>
-              <a:rPr lang="en-US" baseline="0" smtClean="0"/>
-              <a:t>for food.</a:t>
-            </a:r>
-            <a:endParaRPr lang="en-US"/>
-          </a:p>
-        </p:txBody>
-      </p:sp>
-      <p:sp>
-        <p:nvSpPr>
-          <p:cNvPr id="4" name="Slide Number Placeholder 3"/>
-          <p:cNvSpPr>
-            <a:spLocks noGrp="1"/>
-          </p:cNvSpPr>
-          <p:nvPr>
-            <p:ph type="sldNum" sz="quarter" idx="10"/>
-          </p:nvPr>
-        </p:nvSpPr>
-        <p:spPr/>
-        <p:txBody>
-          <a:bodyPr/>
-          <a:lstStyle/>
-          <a:p>
-            <a:fld id="{7CD645B7-0B3A-4239-8069-075A43B72B67}" type="slidenum">
-              <a:rPr lang="en-US" smtClean="0"/>
-              <a:pPr/>
-              <a:t>12</a:t>
-            </a:fld>
-            <a:endParaRPr lang="en-US"/>
-          </a:p>
-        </p:txBody>
-      </p:sp>
-    </p:spTree>
-  </p:cSld>
-  <p:clrMapOvr>
-    <a:masterClrMapping/>
-  </p:clrMapOvr>
-</p:notes>
-</file>
-
-<file path=ppt/notesSlides/notesSlide8.xml><?xml version="1.0" encoding="utf-8"?>
 <p:notes xmlns:a="http://schemas.openxmlformats.org/drawingml/2006/main" xmlns:r="http://schemas.openxmlformats.org/officeDocument/2006/relationships" xmlns:p="http://schemas.openxmlformats.org/presentationml/2006/main">
   <p:cSld>
     <p:spTree>
@@ -1435,7 +1352,7 @@
             <a:fld id="{9B2E8C74-DD1A-43ED-9A87-DC97E558CD19}" type="slidenum">
               <a:rPr lang="en-US" smtClean="0"/>
               <a:pPr/>
-              <a:t>13</a:t>
+              <a:t>12</a:t>
             </a:fld>
             <a:endParaRPr lang="en-US" smtClean="0"/>
           </a:p>
@@ -1449,7 +1366,7 @@
 </p:notes>
 </file>
 
-<file path=ppt/notesSlides/notesSlide9.xml><?xml version="1.0" encoding="utf-8"?>
+<file path=ppt/notesSlides/notesSlide8.xml><?xml version="1.0" encoding="utf-8"?>
 <p:notes xmlns:a="http://schemas.openxmlformats.org/drawingml/2006/main" xmlns:r="http://schemas.openxmlformats.org/officeDocument/2006/relationships" xmlns:p="http://schemas.openxmlformats.org/presentationml/2006/main">
   <p:cSld>
     <p:spTree>
@@ -1582,7 +1499,7 @@
             <a:fld id="{47A341D2-1841-45C6-B916-405E8AD2935C}" type="slidenum">
               <a:rPr lang="en-US" smtClean="0"/>
               <a:pPr/>
-              <a:t>14</a:t>
+              <a:t>13</a:t>
             </a:fld>
             <a:endParaRPr lang="en-US" smtClean="0"/>
           </a:p>
@@ -1971,7 +1888,7 @@
   <p:clrMapOvr>
     <a:masterClrMapping/>
   </p:clrMapOvr>
-  <p:transition>
+  <p:transition xmlns:p14="http://schemas.microsoft.com/office/powerpoint/2010/main">
     <p:fade thruBlk="1"/>
   </p:transition>
 </p:sldLayout>
@@ -2126,7 +2043,7 @@
   <p:clrMapOvr>
     <a:masterClrMapping/>
   </p:clrMapOvr>
-  <p:transition>
+  <p:transition xmlns:p14="http://schemas.microsoft.com/office/powerpoint/2010/main">
     <p:fade/>
   </p:transition>
 </p:sldLayout>
@@ -4689,181 +4606,6 @@
 </file>
 
 <file path=ppt/slides/slide10.xml><?xml version="1.0" encoding="utf-8"?>
-<p:sld xmlns:a="http://schemas.openxmlformats.org/drawingml/2006/main" xmlns:r="http://schemas.openxmlformats.org/officeDocument/2006/relationships" xmlns:p="http://schemas.openxmlformats.org/presentationml/2006/main">
-  <p:cSld>
-    <p:spTree>
-      <p:nvGrpSpPr>
-        <p:cNvPr id="1" name=""/>
-        <p:cNvGrpSpPr/>
-        <p:nvPr/>
-      </p:nvGrpSpPr>
-      <p:grpSpPr>
-        <a:xfrm>
-          <a:off x="0" y="0"/>
-          <a:ext cx="0" cy="0"/>
-          <a:chOff x="0" y="0"/>
-          <a:chExt cx="0" cy="0"/>
-        </a:xfrm>
-      </p:grpSpPr>
-      <p:sp>
-        <p:nvSpPr>
-          <p:cNvPr id="2" name="Title 1"/>
-          <p:cNvSpPr>
-            <a:spLocks noGrp="1"/>
-          </p:cNvSpPr>
-          <p:nvPr>
-            <p:ph type="title"/>
-          </p:nvPr>
-        </p:nvSpPr>
-        <p:spPr>
-          <a:xfrm>
-            <a:off x="457200" y="-304800"/>
-            <a:ext cx="8229600" cy="1143000"/>
-          </a:xfrm>
-        </p:spPr>
-        <p:txBody>
-          <a:bodyPr/>
-          <a:lstStyle/>
-          <a:p>
-            <a:r>
-              <a:rPr lang="en-US" dirty="0" smtClean="0"/>
-              <a:t>Scenario Conditions</a:t>
-            </a:r>
-            <a:endParaRPr lang="en-US" dirty="0"/>
-          </a:p>
-        </p:txBody>
-      </p:sp>
-      <p:sp>
-        <p:nvSpPr>
-          <p:cNvPr id="3" name="Content Placeholder 2"/>
-          <p:cNvSpPr>
-            <a:spLocks noGrp="1"/>
-          </p:cNvSpPr>
-          <p:nvPr>
-            <p:ph idx="1"/>
-          </p:nvPr>
-        </p:nvSpPr>
-        <p:spPr>
-          <a:xfrm>
-            <a:off x="152400" y="685800"/>
-            <a:ext cx="8839200" cy="5791200"/>
-          </a:xfrm>
-        </p:spPr>
-        <p:txBody>
-          <a:bodyPr>
-            <a:normAutofit/>
-          </a:bodyPr>
-          <a:lstStyle/>
-          <a:p>
-            <a:r>
-              <a:rPr lang="en-US" dirty="0" smtClean="0"/>
-              <a:t>Base Case</a:t>
-            </a:r>
-          </a:p>
-          <a:p>
-            <a:pPr lvl="1"/>
-            <a:r>
-              <a:rPr lang="en-US" dirty="0" smtClean="0"/>
-              <a:t>0.7% yield growth per year, 2010-2050</a:t>
-            </a:r>
-          </a:p>
-          <a:p>
-            <a:pPr lvl="1"/>
-            <a:r>
-              <a:rPr lang="en-US" dirty="0" smtClean="0"/>
-              <a:t>0.1% per capita commodity crop demand per year, 2010-2050</a:t>
-            </a:r>
-          </a:p>
-          <a:p>
-            <a:pPr lvl="1"/>
-            <a:r>
-              <a:rPr lang="en-US" dirty="0" smtClean="0"/>
-              <a:t>0.4% per capita meat and dairy demand per year, 2010-2050</a:t>
-            </a:r>
-          </a:p>
-          <a:p>
-            <a:pPr lvl="1"/>
-            <a:r>
-              <a:rPr lang="en-US" dirty="0" smtClean="0"/>
-              <a:t>4.3% increase in biofuel demand (MJ) per year, 2010 to ~2020</a:t>
-            </a:r>
-          </a:p>
-          <a:p>
-            <a:r>
-              <a:rPr lang="en-US" dirty="0" smtClean="0"/>
-              <a:t>High Food and Fuel</a:t>
-            </a:r>
-          </a:p>
-          <a:p>
-            <a:pPr lvl="1"/>
-            <a:r>
-              <a:rPr lang="en-US" dirty="0" smtClean="0"/>
-              <a:t>0.7% yield growth per year, 2010-2050</a:t>
-            </a:r>
-          </a:p>
-          <a:p>
-            <a:pPr lvl="1"/>
-            <a:r>
-              <a:rPr lang="en-US" dirty="0" smtClean="0"/>
-              <a:t>0.4% per capita commodity crop demand per year, 2010-2050</a:t>
-            </a:r>
-          </a:p>
-          <a:p>
-            <a:pPr lvl="1"/>
-            <a:r>
-              <a:rPr lang="en-US" dirty="0" smtClean="0"/>
-              <a:t>0.7% per capita meat and dairy demand per year, 2010-2050</a:t>
-            </a:r>
-          </a:p>
-          <a:p>
-            <a:pPr lvl="1"/>
-            <a:r>
-              <a:rPr lang="en-US" dirty="0" smtClean="0"/>
-              <a:t>2.3% increase in biofuel demand (MJ) per year, 2010 to 2050</a:t>
-            </a:r>
-          </a:p>
-          <a:p>
-            <a:r>
-              <a:rPr lang="en-US" dirty="0" smtClean="0"/>
-              <a:t>Low Yield</a:t>
-            </a:r>
-          </a:p>
-          <a:p>
-            <a:pPr lvl="1"/>
-            <a:r>
-              <a:rPr lang="en-US" dirty="0" smtClean="0"/>
-              <a:t>0% growth per year from 2013 to 2050</a:t>
-            </a:r>
-          </a:p>
-          <a:p>
-            <a:pPr lvl="1"/>
-            <a:r>
-              <a:rPr lang="en-US" dirty="0" smtClean="0"/>
-              <a:t>Otherwise, same as the base case</a:t>
-            </a:r>
-          </a:p>
-          <a:p>
-            <a:endParaRPr lang="en-US" dirty="0"/>
-          </a:p>
-        </p:txBody>
-      </p:sp>
-    </p:spTree>
-    <p:extLst>
-      <p:ext uri="{BB962C8B-B14F-4D97-AF65-F5344CB8AC3E}">
-        <p14:creationId xmlns:p14="http://schemas.microsoft.com/office/powerpoint/2010/main" xmlns="" val="1735403123"/>
-      </p:ext>
-    </p:extLst>
-  </p:cSld>
-  <p:clrMapOvr>
-    <a:masterClrMapping/>
-  </p:clrMapOvr>
-  <p:transition>
-    <p:fade thruBlk="1"/>
-  </p:transition>
-</p:sld>
-</file>
-
-<file path=ppt/slides/slide11.xml><?xml version="1.0" encoding="utf-8"?>
 <p:sld xmlns:a="http://schemas.openxmlformats.org/drawingml/2006/main" xmlns:r="http://schemas.openxmlformats.org/officeDocument/2006/relationships" xmlns:p="http://schemas.openxmlformats.org/presentationml/2006/main" show="0">
   <p:cSld>
     <p:spTree>
@@ -5236,20 +4978,20 @@
     </p:spTree>
     <p:extLst>
       <p:ext uri="{BB962C8B-B14F-4D97-AF65-F5344CB8AC3E}">
-        <p14:creationId xmlns:p14="http://schemas.microsoft.com/office/powerpoint/2010/main" xmlns="" val="4121202143"/>
+        <p14:creationId xmlns:p14="http://schemas.microsoft.com/office/powerpoint/2010/main" val="4121202143"/>
       </p:ext>
     </p:extLst>
   </p:cSld>
   <p:clrMapOvr>
     <a:masterClrMapping/>
   </p:clrMapOvr>
-  <p:transition>
+  <p:transition xmlns:p14="http://schemas.microsoft.com/office/powerpoint/2010/main">
     <p:fade thruBlk="1"/>
   </p:transition>
 </p:sld>
 </file>
 
-<file path=ppt/slides/slide12.xml><?xml version="1.0" encoding="utf-8"?>
+<file path=ppt/slides/slide11.xml><?xml version="1.0" encoding="utf-8"?>
 <p:sld xmlns:a="http://schemas.openxmlformats.org/drawingml/2006/main" xmlns:r="http://schemas.openxmlformats.org/officeDocument/2006/relationships" xmlns:p="http://schemas.openxmlformats.org/presentationml/2006/main">
   <p:cSld>
     <p:spTree>
@@ -5328,13 +5070,13 @@
   <p:clrMapOvr>
     <a:masterClrMapping/>
   </p:clrMapOvr>
-  <p:transition>
+  <p:transition xmlns:p14="http://schemas.microsoft.com/office/powerpoint/2010/main">
     <p:fade/>
   </p:transition>
 </p:sld>
 </file>
 
-<file path=ppt/slides/slide13.xml><?xml version="1.0" encoding="utf-8"?>
+<file path=ppt/slides/slide12.xml><?xml version="1.0" encoding="utf-8"?>
 <p:sld xmlns:a="http://schemas.openxmlformats.org/drawingml/2006/main" xmlns:r="http://schemas.openxmlformats.org/officeDocument/2006/relationships" xmlns:p="http://schemas.openxmlformats.org/presentationml/2006/main">
   <p:cSld>
     <p:spTree>
@@ -5483,14 +5225,14 @@
   <p:timing>
     <p:tnLst>
       <p:par>
-        <p:cTn id="1" dur="indefinite" restart="never" nodeType="tmRoot"/>
+        <p:cTn xmlns:p14="http://schemas.microsoft.com/office/powerpoint/2010/main" id="1" dur="indefinite" restart="never" nodeType="tmRoot"/>
       </p:par>
     </p:tnLst>
   </p:timing>
 </p:sld>
 </file>
 
-<file path=ppt/slides/slide14.xml><?xml version="1.0" encoding="utf-8"?>
+<file path=ppt/slides/slide13.xml><?xml version="1.0" encoding="utf-8"?>
 <p:sld xmlns:a="http://schemas.openxmlformats.org/drawingml/2006/main" xmlns:r="http://schemas.openxmlformats.org/officeDocument/2006/relationships" xmlns:p="http://schemas.openxmlformats.org/presentationml/2006/main">
   <p:cSld>
     <p:spTree>
@@ -6615,7 +6357,7 @@
   <p:timing>
     <p:tnLst>
       <p:par>
-        <p:cTn id="1" dur="indefinite" restart="never" nodeType="tmRoot"/>
+        <p:cTn xmlns:p14="http://schemas.microsoft.com/office/powerpoint/2010/main" id="1" dur="indefinite" restart="never" nodeType="tmRoot"/>
       </p:par>
     </p:tnLst>
   </p:timing>
@@ -6734,7 +6476,7 @@
   <p:timing>
     <p:tnLst>
       <p:par>
-        <p:cTn id="1" dur="indefinite" restart="never" nodeType="tmRoot"/>
+        <p:cTn xmlns:p14="http://schemas.microsoft.com/office/powerpoint/2010/main" id="1" dur="indefinite" restart="never" nodeType="tmRoot"/>
       </p:par>
     </p:tnLst>
   </p:timing>
@@ -6802,7 +6544,7 @@
         </p:nvGraphicFramePr>
         <p:xfrm>
           <a:off x="381000" y="838200"/>
-          <a:ext cx="8534400" cy="3241040"/>
+          <a:ext cx="8534400" cy="3241039"/>
         </p:xfrm>
         <a:graphic>
           <a:graphicData uri="http://schemas.openxmlformats.org/drawingml/2006/table">
@@ -7532,13 +7274,13 @@
   <p:clrMapOvr>
     <a:masterClrMapping/>
   </p:clrMapOvr>
-  <p:transition>
+  <p:transition xmlns:p14="http://schemas.microsoft.com/office/powerpoint/2010/main">
     <p:fade thruBlk="1"/>
   </p:transition>
   <p:timing>
     <p:tnLst>
       <p:par>
-        <p:cTn id="1" dur="indefinite" restart="never" nodeType="tmRoot"/>
+        <p:cTn xmlns:p14="http://schemas.microsoft.com/office/powerpoint/2010/main" id="1" dur="indefinite" restart="never" nodeType="tmRoot"/>
       </p:par>
     </p:tnLst>
   </p:timing>
@@ -7680,7 +7422,7 @@
   <p:clrMapOvr>
     <a:masterClrMapping/>
   </p:clrMapOvr>
-  <p:transition>
+  <p:transition xmlns:p14="http://schemas.microsoft.com/office/powerpoint/2010/main">
     <p:fade/>
   </p:transition>
 </p:sld>
@@ -7815,7 +7557,7 @@
   <p:clrMapOvr>
     <a:masterClrMapping/>
   </p:clrMapOvr>
-  <p:transition>
+  <p:transition xmlns:p14="http://schemas.microsoft.com/office/powerpoint/2010/main">
     <p:fade/>
   </p:transition>
 </p:sld>
@@ -7976,7 +7718,7 @@
   <p:clrMapOvr>
     <a:masterClrMapping/>
   </p:clrMapOvr>
-  <p:transition>
+  <p:transition xmlns:p14="http://schemas.microsoft.com/office/powerpoint/2010/main">
     <p:fade/>
   </p:transition>
 </p:sld>
@@ -10495,7 +10237,7 @@
   <p:clrMapOvr>
     <a:masterClrMapping/>
   </p:clrMapOvr>
-  <p:transition>
+  <p:transition xmlns:p14="http://schemas.microsoft.com/office/powerpoint/2010/main">
     <p:fade/>
   </p:transition>
 </p:sld>
@@ -10625,7 +10367,7 @@
   <p:clrMapOvr>
     <a:masterClrMapping/>
   </p:clrMapOvr>
-  <p:transition>
+  <p:transition xmlns:p14="http://schemas.microsoft.com/office/powerpoint/2010/main">
     <p:fade/>
   </p:transition>
 </p:sld>
@@ -10660,28 +10402,25 @@
         </p:nvSpPr>
         <p:spPr>
           <a:xfrm>
-            <a:off x="228600" y="122238"/>
-            <a:ext cx="8915400" cy="563562"/>
+            <a:off x="457200" y="-304800"/>
+            <a:ext cx="8229600" cy="1143000"/>
           </a:xfrm>
         </p:spPr>
         <p:txBody>
-          <a:bodyPr>
-            <a:noAutofit/>
-          </a:bodyPr>
+          <a:bodyPr/>
           <a:lstStyle/>
           <a:p>
-            <a:pPr algn="ctr"/>
-            <a:r>
-              <a:rPr lang="en-US" sz="2600" dirty="0" smtClean="0"/>
-              <a:t>Our model is data-agnostic, but has been calibrated with FOA and WAO datasets</a:t>
-            </a:r>
-            <a:endParaRPr lang="en-US" sz="2600" dirty="0"/>
+            <a:r>
+              <a:rPr lang="en-US" dirty="0" smtClean="0"/>
+              <a:t>Scenario Conditions</a:t>
+            </a:r>
+            <a:endParaRPr lang="en-US" dirty="0"/>
           </a:p>
         </p:txBody>
       </p:sp>
       <p:sp>
         <p:nvSpPr>
-          <p:cNvPr id="4" name="Content Placeholder 3"/>
+          <p:cNvPr id="3" name="Content Placeholder 2"/>
           <p:cNvSpPr>
             <a:spLocks noGrp="1"/>
           </p:cNvSpPr>
@@ -10691,58 +10430,120 @@
         </p:nvSpPr>
         <p:spPr>
           <a:xfrm>
-            <a:off x="457200" y="914400"/>
-            <a:ext cx="8229600" cy="4525963"/>
+            <a:off x="152400" y="685800"/>
+            <a:ext cx="8839200" cy="5791200"/>
           </a:xfrm>
         </p:spPr>
         <p:txBody>
           <a:bodyPr>
-            <a:normAutofit fontScale="85000" lnSpcReduction="20000"/>
+            <a:normAutofit/>
           </a:bodyPr>
           <a:lstStyle/>
           <a:p>
             <a:r>
-              <a:rPr lang="en-US" b="0" dirty="0" smtClean="0"/>
-              <a:t>Most of the raw data comes from the FAO data sets.</a:t>
-            </a:r>
-          </a:p>
-          <a:p>
-            <a:endParaRPr lang="en-US" b="0" dirty="0" smtClean="0"/>
-          </a:p>
-          <a:p>
-            <a:r>
-              <a:rPr lang="en-US" b="0" dirty="0" smtClean="0"/>
-              <a:t>The FAO data was processed (organized, normalized) to provide calibration data sets.</a:t>
-            </a:r>
-          </a:p>
-          <a:p>
-            <a:endParaRPr lang="en-US" b="0" dirty="0" smtClean="0"/>
-          </a:p>
-          <a:p>
-            <a:r>
-              <a:rPr lang="en-US" b="0" dirty="0" smtClean="0"/>
-              <a:t>Regressions against GDP and other variables where used to develop forecasts of demands and yields.</a:t>
-            </a:r>
-          </a:p>
-          <a:p>
-            <a:endParaRPr lang="en-US" b="0" dirty="0" smtClean="0"/>
-          </a:p>
-          <a:p>
-            <a:r>
-              <a:rPr lang="en-US" b="0" dirty="0" smtClean="0"/>
-              <a:t>Literature searches yielded information on land and crop inputs to livestock production, forage characteristics, and other incidental input parameters.</a:t>
-            </a:r>
-            <a:endParaRPr lang="en-US" b="0" dirty="0"/>
+              <a:rPr lang="en-US" dirty="0" smtClean="0"/>
+              <a:t>Base Case</a:t>
+            </a:r>
+          </a:p>
+          <a:p>
+            <a:pPr lvl="1"/>
+            <a:r>
+              <a:rPr lang="en-US" dirty="0" smtClean="0"/>
+              <a:t>0.7% yield growth per year, 2010-2050</a:t>
+            </a:r>
+          </a:p>
+          <a:p>
+            <a:pPr lvl="1"/>
+            <a:r>
+              <a:rPr lang="en-US" dirty="0" smtClean="0"/>
+              <a:t>0.1% per capita commodity crop demand per year, 2010-2050</a:t>
+            </a:r>
+          </a:p>
+          <a:p>
+            <a:pPr lvl="1"/>
+            <a:r>
+              <a:rPr lang="en-US" dirty="0" smtClean="0"/>
+              <a:t>0.4% per capita meat and dairy demand per year, 2010-2050</a:t>
+            </a:r>
+          </a:p>
+          <a:p>
+            <a:pPr lvl="1"/>
+            <a:r>
+              <a:rPr lang="en-US" dirty="0" smtClean="0"/>
+              <a:t>4.3% increase in biofuel demand (MJ) per year, 2010 to ~2020</a:t>
+            </a:r>
+          </a:p>
+          <a:p>
+            <a:r>
+              <a:rPr lang="en-US" dirty="0" smtClean="0"/>
+              <a:t>High Food and Fuel</a:t>
+            </a:r>
+          </a:p>
+          <a:p>
+            <a:pPr lvl="1"/>
+            <a:r>
+              <a:rPr lang="en-US" dirty="0" smtClean="0"/>
+              <a:t>0.7% yield growth per year, 2010-2050</a:t>
+            </a:r>
+          </a:p>
+          <a:p>
+            <a:pPr lvl="1"/>
+            <a:r>
+              <a:rPr lang="en-US" dirty="0" smtClean="0"/>
+              <a:t>0.4% per capita commodity crop demand per year, 2010-2050</a:t>
+            </a:r>
+          </a:p>
+          <a:p>
+            <a:pPr lvl="1"/>
+            <a:r>
+              <a:rPr lang="en-US" dirty="0" smtClean="0"/>
+              <a:t>0.7% per capita meat and dairy demand per year, 2010-2050</a:t>
+            </a:r>
+          </a:p>
+          <a:p>
+            <a:pPr lvl="1"/>
+            <a:r>
+              <a:rPr lang="en-US" dirty="0" smtClean="0"/>
+              <a:t>2.3% increase in biofuel demand (MJ) per year, 2010 to 2050</a:t>
+            </a:r>
+          </a:p>
+          <a:p>
+            <a:r>
+              <a:rPr lang="en-US" dirty="0" smtClean="0"/>
+              <a:t>Low Yield</a:t>
+            </a:r>
+          </a:p>
+          <a:p>
+            <a:pPr lvl="1"/>
+            <a:r>
+              <a:rPr lang="en-US" dirty="0" smtClean="0"/>
+              <a:t>0% growth per year from 2013 to 2050</a:t>
+            </a:r>
+          </a:p>
+          <a:p>
+            <a:pPr lvl="1"/>
+            <a:r>
+              <a:rPr lang="en-US" dirty="0" smtClean="0"/>
+              <a:t>Otherwise, same as the base case</a:t>
+            </a:r>
+          </a:p>
+          <a:p>
+            <a:endParaRPr lang="en-US" dirty="0"/>
           </a:p>
         </p:txBody>
       </p:sp>
     </p:spTree>
+    <p:extLst>
+      <p:ext uri="{BB962C8B-B14F-4D97-AF65-F5344CB8AC3E}">
+        <p14:creationId xmlns:p14="http://schemas.microsoft.com/office/powerpoint/2010/main" val="1735403123"/>
+      </p:ext>
+    </p:extLst>
   </p:cSld>
   <p:clrMapOvr>
     <a:masterClrMapping/>
   </p:clrMapOvr>
-  <p:transition>
-    <p:fade/>
+  <p:transition xmlns:p14="http://schemas.microsoft.com/office/powerpoint/2010/main">
+    <p:fade thruBlk="1"/>
   </p:transition>
 </p:sld>
 </file>

--- a/documents/Overview of BioLUC Inman may 7.pptx
+++ b/documents/Overview of BioLUC Inman may 7.pptx
@@ -205,7 +205,7 @@
             <a:fld id="{62430CC7-8C13-4D51-BC46-B95A4AC4A04B}" type="datetimeFigureOut">
               <a:rPr lang="en-US" smtClean="0"/>
               <a:pPr/>
-              <a:t>5/6/13</a:t>
+              <a:t>5/7/13</a:t>
             </a:fld>
             <a:endParaRPr lang="en-US"/>
           </a:p>
@@ -4988,6 +4988,13 @@
   <p:transition xmlns:p14="http://schemas.microsoft.com/office/powerpoint/2010/main">
     <p:fade thruBlk="1"/>
   </p:transition>
+  <p:timing>
+    <p:tnLst>
+      <p:par>
+        <p:cTn xmlns:p14="http://schemas.microsoft.com/office/powerpoint/2010/main" id="1" dur="indefinite" restart="never" nodeType="tmRoot"/>
+      </p:par>
+    </p:tnLst>
+  </p:timing>
 </p:sld>
 </file>
 
@@ -5073,6 +5080,13 @@
   <p:transition xmlns:p14="http://schemas.microsoft.com/office/powerpoint/2010/main">
     <p:fade/>
   </p:transition>
+  <p:timing>
+    <p:tnLst>
+      <p:par>
+        <p:cTn xmlns:p14="http://schemas.microsoft.com/office/powerpoint/2010/main" id="1" dur="indefinite" restart="never" nodeType="tmRoot"/>
+      </p:par>
+    </p:tnLst>
+  </p:timing>
 </p:sld>
 </file>
 
